--- a/docs/hotel-cancellation.pptx
+++ b/docs/hotel-cancellation.pptx
@@ -11444,7 +11444,7 @@
           <a:graphicData uri="http://schemas.openxmlformats.org/presentationml/2006/ole">
             <mc:AlternateContent xmlns:mc="http://schemas.openxmlformats.org/markup-compatibility/2006">
               <mc:Choice xmlns:v="urn:schemas-microsoft-com:vml" Requires="v">
-                <p:oleObj spid="_x0000_s52231" name="think-cell Slide" r:id="rId5" imgW="7772400" imgH="10058400" progId="TCLayout.ActiveDocument.1">
+                <p:oleObj spid="_x0000_s52232" name="think-cell Slide" r:id="rId5" imgW="7772400" imgH="10058400" progId="TCLayout.ActiveDocument.1">
                   <p:embed/>
                 </p:oleObj>
               </mc:Choice>
@@ -11954,7 +11954,7 @@
                 <a:latin typeface="Arial" panose="020B0604020202020204" pitchFamily="34" charset="0"/>
                 <a:cs typeface="Arial" panose="020B0604020202020204" pitchFamily="34" charset="0"/>
               </a:rPr>
-              <a:t>Developing a classification model to predict hotel booking cancellations.</a:t>
+              <a:t>Develop a classification model to predict hotel booking cancellations.</a:t>
             </a:r>
           </a:p>
           <a:p>
@@ -12647,7 +12647,7 @@
         <p:spPr>
           <a:xfrm>
             <a:off x="431434" y="4781316"/>
-            <a:ext cx="5643479" cy="907301"/>
+            <a:ext cx="5643479" cy="1144471"/>
           </a:xfrm>
           <a:prstGeom prst="rect">
             <a:avLst/>
@@ -13615,7 +13615,7 @@
           <a:graphicData uri="http://schemas.openxmlformats.org/presentationml/2006/ole">
             <mc:AlternateContent xmlns:mc="http://schemas.openxmlformats.org/markup-compatibility/2006">
               <mc:Choice xmlns:v="urn:schemas-microsoft-com:vml" Requires="v">
-                <p:oleObj spid="_x0000_s19470" name="think-cell Slide" r:id="rId5" imgW="7772400" imgH="10058400" progId="TCLayout.ActiveDocument.1">
+                <p:oleObj spid="_x0000_s19471" name="think-cell Slide" r:id="rId5" imgW="7772400" imgH="10058400" progId="TCLayout.ActiveDocument.1">
                   <p:embed/>
                 </p:oleObj>
               </mc:Choice>
